--- a/group5.pptx
+++ b/group5.pptx
@@ -7793,7 +7793,51 @@
                   </a:schemeClr>
                 </a:solidFill>
               </a:rPr>
-              <a:t>組員：邱士翔、吳婉廷、賴怡君、葉香君</a:t>
+              <a:t>組員：邱士翔、吳婉廷、</a:t>
+            </a:r>
+            <a:r>
+              <a:rPr lang="zh-TW" altLang="en-US" dirty="0" smtClean="0">
+                <a:solidFill>
+                  <a:schemeClr val="tx1">
+                    <a:lumMod val="95000"/>
+                    <a:lumOff val="5000"/>
+                  </a:schemeClr>
+                </a:solidFill>
+              </a:rPr>
+              <a:t>賴怡</a:t>
+            </a:r>
+            <a:r>
+              <a:rPr lang="zh-TW" altLang="en-US" dirty="0">
+                <a:solidFill>
+                  <a:schemeClr val="tx1">
+                    <a:lumMod val="95000"/>
+                    <a:lumOff val="5000"/>
+                  </a:schemeClr>
+                </a:solidFill>
+              </a:rPr>
+              <a:t>均</a:t>
+            </a:r>
+            <a:r>
+              <a:rPr lang="zh-TW" altLang="en-US" dirty="0" smtClean="0">
+                <a:solidFill>
+                  <a:schemeClr val="tx1">
+                    <a:lumMod val="95000"/>
+                    <a:lumOff val="5000"/>
+                  </a:schemeClr>
+                </a:solidFill>
+              </a:rPr>
+              <a:t>、</a:t>
+            </a:r>
+            <a:r>
+              <a:rPr lang="zh-TW" altLang="en-US" dirty="0" smtClean="0">
+                <a:solidFill>
+                  <a:schemeClr val="tx1">
+                    <a:lumMod val="95000"/>
+                    <a:lumOff val="5000"/>
+                  </a:schemeClr>
+                </a:solidFill>
+              </a:rPr>
+              <a:t>葉香君</a:t>
             </a:r>
             <a:endParaRPr lang="zh-TW" altLang="en-US" dirty="0">
               <a:solidFill>

--- a/group5.pptx
+++ b/group5.pptx
@@ -7793,18 +7793,7 @@
                   </a:schemeClr>
                 </a:solidFill>
               </a:rPr>
-              <a:t>組員：邱士翔、吳婉廷、</a:t>
-            </a:r>
-            <a:r>
-              <a:rPr lang="zh-TW" altLang="en-US" dirty="0" smtClean="0">
-                <a:solidFill>
-                  <a:schemeClr val="tx1">
-                    <a:lumMod val="95000"/>
-                    <a:lumOff val="5000"/>
-                  </a:schemeClr>
-                </a:solidFill>
-              </a:rPr>
-              <a:t>賴怡</a:t>
+              <a:t>組員：邱士翔、吳婉廷、賴怡</a:t>
             </a:r>
             <a:r>
               <a:rPr lang="zh-TW" altLang="en-US" dirty="0">
@@ -7826,18 +7815,7 @@
                   </a:schemeClr>
                 </a:solidFill>
               </a:rPr>
-              <a:t>、</a:t>
-            </a:r>
-            <a:r>
-              <a:rPr lang="zh-TW" altLang="en-US" dirty="0" smtClean="0">
-                <a:solidFill>
-                  <a:schemeClr val="tx1">
-                    <a:lumMod val="95000"/>
-                    <a:lumOff val="5000"/>
-                  </a:schemeClr>
-                </a:solidFill>
-              </a:rPr>
-              <a:t>葉香君</a:t>
+              <a:t>、葉香君</a:t>
             </a:r>
             <a:endParaRPr lang="zh-TW" altLang="en-US" dirty="0">
               <a:solidFill>
@@ -7903,7 +7881,7 @@
       </p:grpSpPr>
       <p:pic>
         <p:nvPicPr>
-          <p:cNvPr id="2" name="圖片 1"/>
+          <p:cNvPr id="6" name="圖片 5"/>
           <p:cNvPicPr>
             <a:picLocks noChangeAspect="1"/>
           </p:cNvPicPr>
@@ -7923,8 +7901,8 @@
         </p:blipFill>
         <p:spPr>
           <a:xfrm>
-            <a:off x="4458504" y="639667"/>
-            <a:ext cx="5342319" cy="6488790"/>
+            <a:off x="4458503" y="696345"/>
+            <a:ext cx="5343896" cy="6483927"/>
           </a:xfrm>
           <a:prstGeom prst="rect">
             <a:avLst/>
@@ -7958,6 +7936,66 @@
               <a:t>Use case</a:t>
             </a:r>
             <a:endParaRPr lang="zh-TW" altLang="en-US" sz="4800" dirty="0"/>
+          </a:p>
+        </p:txBody>
+      </p:sp>
+      <p:sp>
+        <p:nvSpPr>
+          <p:cNvPr id="4" name="文字方塊 3"/>
+          <p:cNvSpPr txBox="1"/>
+          <p:nvPr/>
+        </p:nvSpPr>
+        <p:spPr>
+          <a:xfrm>
+            <a:off x="4458504" y="748161"/>
+            <a:ext cx="827471" cy="369332"/>
+          </a:xfrm>
+          <a:prstGeom prst="rect">
+            <a:avLst/>
+          </a:prstGeom>
+          <a:noFill/>
+        </p:spPr>
+        <p:txBody>
+          <a:bodyPr wrap="none" rtlCol="0">
+            <a:spAutoFit/>
+          </a:bodyPr>
+          <a:lstStyle/>
+          <a:p>
+            <a:r>
+              <a:rPr lang="en-US" altLang="zh-TW" dirty="0" smtClean="0"/>
+              <a:t>Visitor</a:t>
+            </a:r>
+            <a:endParaRPr lang="zh-TW" altLang="en-US" dirty="0"/>
+          </a:p>
+        </p:txBody>
+      </p:sp>
+      <p:sp>
+        <p:nvSpPr>
+          <p:cNvPr id="5" name="文字方塊 4"/>
+          <p:cNvSpPr txBox="1"/>
+          <p:nvPr/>
+        </p:nvSpPr>
+        <p:spPr>
+          <a:xfrm>
+            <a:off x="4458503" y="3753643"/>
+            <a:ext cx="867545" cy="369332"/>
+          </a:xfrm>
+          <a:prstGeom prst="rect">
+            <a:avLst/>
+          </a:prstGeom>
+          <a:noFill/>
+        </p:spPr>
+        <p:txBody>
+          <a:bodyPr wrap="none" rtlCol="0">
+            <a:spAutoFit/>
+          </a:bodyPr>
+          <a:lstStyle/>
+          <a:p>
+            <a:r>
+              <a:rPr lang="en-US" altLang="zh-TW" dirty="0" smtClean="0"/>
+              <a:t>Player</a:t>
+            </a:r>
+            <a:endParaRPr lang="zh-TW" altLang="en-US" dirty="0"/>
           </a:p>
         </p:txBody>
       </p:sp>
